--- a/Курсовой проект/Презентация курсового проекта.pptx
+++ b/Курсовой проект/Презентация курсового проекта.pptx
@@ -111,6 +111,11 @@
       </a:defRPr>
     </a:lvl9pPr>
   </p:defaultTextStyle>
+  <p:extLst>
+    <p:ext uri="{EFAFB233-063F-42B5-8137-9DF3F51BA10A}">
+      <p15:sldGuideLst xmlns:p15="http://schemas.microsoft.com/office/powerpoint/2012/main"/>
+    </p:ext>
+  </p:extLst>
 </p:presentation>
 </file>
 
@@ -2995,7 +3000,7 @@
         <p:spPr>
           <a:xfrm>
             <a:off x="618836" y="1094654"/>
-            <a:ext cx="10224655" cy="2387600"/>
+            <a:ext cx="10113819" cy="2387600"/>
           </a:xfrm>
         </p:spPr>
         <p:txBody>
@@ -3026,7 +3031,7 @@
                   <a:schemeClr val="bg1"/>
                 </a:solidFill>
               </a:rPr>
-              <a:t>По дисциплине «МДК.01.02 Прикладное программирование»</a:t>
+              <a:t>По МДК.01.02 «Прикладное программирование»</a:t>
             </a:r>
             <a:br>
               <a:rPr lang="ru-RU" sz="4400" dirty="0" smtClean="0">
@@ -3173,7 +3178,7 @@
         </p:nvSpPr>
         <p:spPr>
           <a:xfrm>
-            <a:off x="607261" y="330117"/>
+            <a:off x="838200" y="0"/>
             <a:ext cx="10515600" cy="1161799"/>
           </a:xfrm>
         </p:spPr>
@@ -3211,7 +3216,7 @@
         </p:nvSpPr>
         <p:spPr>
           <a:xfrm>
-            <a:off x="607261" y="1669800"/>
+            <a:off x="838200" y="1669800"/>
             <a:ext cx="10515600" cy="1500187"/>
           </a:xfrm>
         </p:spPr>
@@ -3410,7 +3415,7 @@
         </p:nvSpPr>
         <p:spPr>
           <a:xfrm>
-            <a:off x="1650688" y="0"/>
+            <a:off x="1650687" y="0"/>
             <a:ext cx="8754000" cy="830997"/>
           </a:xfrm>
           <a:prstGeom prst="rect">
@@ -3493,7 +3498,7 @@
         </p:blipFill>
         <p:spPr>
           <a:xfrm>
-            <a:off x="2025947" y="830997"/>
+            <a:off x="1861355" y="830997"/>
             <a:ext cx="8469290" cy="5588091"/>
           </a:xfrm>
           <a:prstGeom prst="rect">
@@ -3509,7 +3514,7 @@
         </p:nvSpPr>
         <p:spPr>
           <a:xfrm>
-            <a:off x="340285" y="0"/>
+            <a:off x="175693" y="0"/>
             <a:ext cx="11840614" cy="830997"/>
           </a:xfrm>
           <a:prstGeom prst="rect">
@@ -3592,7 +3597,7 @@
         </p:blipFill>
         <p:spPr>
           <a:xfrm>
-            <a:off x="1382620" y="830997"/>
+            <a:off x="719328" y="830997"/>
             <a:ext cx="10753344" cy="4564996"/>
           </a:xfrm>
           <a:prstGeom prst="rect">
@@ -3608,7 +3613,7 @@
         </p:nvSpPr>
         <p:spPr>
           <a:xfrm>
-            <a:off x="3007752" y="0"/>
+            <a:off x="2344460" y="0"/>
             <a:ext cx="7503080" cy="830997"/>
           </a:xfrm>
           <a:prstGeom prst="rect">
@@ -3617,7 +3622,7 @@
           <a:noFill/>
         </p:spPr>
         <p:txBody>
-          <a:bodyPr wrap="none" rtlCol="0">
+          <a:bodyPr wrap="none" rtlCol="0" anchor="ctr">
             <a:spAutoFit/>
           </a:bodyPr>
           <a:lstStyle/>
@@ -3710,7 +3715,7 @@
       </p:sp>
       <p:pic>
         <p:nvPicPr>
-          <p:cNvPr id="4" name="Объект 3"/>
+          <p:cNvPr id="5" name="Объект 4"/>
           <p:cNvPicPr>
             <a:picLocks noGrp="1" noChangeAspect="1"/>
           </p:cNvPicPr>
@@ -3732,8 +3737,8 @@
         </p:blipFill>
         <p:spPr>
           <a:xfrm>
-            <a:off x="2999490" y="896747"/>
-            <a:ext cx="6619997" cy="5382491"/>
+            <a:off x="2702118" y="896747"/>
+            <a:ext cx="7214742" cy="5781144"/>
           </a:xfrm>
         </p:spPr>
       </p:pic>
@@ -3777,7 +3782,12 @@
             <p:ph type="title"/>
           </p:nvPr>
         </p:nvSpPr>
-        <p:spPr/>
+        <p:spPr>
+          <a:xfrm>
+            <a:off x="838200" y="365125"/>
+            <a:ext cx="10515600" cy="1103457"/>
+          </a:xfrm>
+        </p:spPr>
         <p:txBody>
           <a:bodyPr/>
           <a:lstStyle/>
